--- a/reports/Feedback Presentation.pptx
+++ b/reports/Feedback Presentation.pptx
@@ -22,25 +22,26 @@
     <p:sldId id="267" r:id="rId18"/>
     <p:sldId id="268" r:id="rId19"/>
     <p:sldId id="269" r:id="rId20"/>
+    <p:sldId id="270" r:id="rId21"/>
   </p:sldIdLst>
   <p:sldSz cy="5143500" cx="9144000"/>
   <p:notesSz cx="6858000" cy="9144000"/>
   <p:embeddedFontLst>
     <p:embeddedFont>
       <p:font typeface="Roboto"/>
-      <p:regular r:id="rId21"/>
-      <p:bold r:id="rId22"/>
-      <p:italic r:id="rId23"/>
-      <p:boldItalic r:id="rId24"/>
+      <p:regular r:id="rId22"/>
+      <p:bold r:id="rId23"/>
+      <p:italic r:id="rId24"/>
+      <p:boldItalic r:id="rId25"/>
     </p:embeddedFont>
     <p:embeddedFont>
       <p:font typeface="Average"/>
-      <p:regular r:id="rId25"/>
+      <p:regular r:id="rId26"/>
     </p:embeddedFont>
     <p:embeddedFont>
       <p:font typeface="Oswald"/>
-      <p:regular r:id="rId26"/>
-      <p:bold r:id="rId27"/>
+      <p:regular r:id="rId27"/>
+      <p:bold r:id="rId28"/>
     </p:embeddedFont>
   </p:embeddedFontLst>
   <p:defaultTextStyle>
@@ -934,7 +935,7 @@
       </p:grpSpPr>
       <p:sp>
         <p:nvSpPr>
-          <p:cNvPr id="123" name="Google Shape;123;g1b220e7a566_0_77:notes"/>
+          <p:cNvPr id="123" name="Google Shape;123;g1b220e7a566_0_107:notes"/>
           <p:cNvSpPr/>
           <p:nvPr>
             <p:ph idx="2" type="sldImg"/>
@@ -969,7 +970,7 @@
       </p:sp>
       <p:sp>
         <p:nvSpPr>
-          <p:cNvPr id="124" name="Google Shape;124;g1b220e7a566_0_77:notes"/>
+          <p:cNvPr id="124" name="Google Shape;124;g1b220e7a566_0_107:notes"/>
           <p:cNvSpPr txBox="1"/>
           <p:nvPr>
             <p:ph idx="1" type="body"/>
@@ -1019,7 +1020,7 @@
   <p:cSld>
     <p:spTree>
       <p:nvGrpSpPr>
-        <p:cNvPr id="128" name="Shape 128"/>
+        <p:cNvPr id="129" name="Shape 129"/>
         <p:cNvGrpSpPr/>
         <p:nvPr/>
       </p:nvGrpSpPr>
@@ -1033,7 +1034,7 @@
       </p:grpSpPr>
       <p:sp>
         <p:nvSpPr>
-          <p:cNvPr id="129" name="Google Shape;129;g1b22e5e3f77_0_290:notes"/>
+          <p:cNvPr id="130" name="Google Shape;130;g1b220e7a566_0_77:notes"/>
           <p:cNvSpPr/>
           <p:nvPr>
             <p:ph idx="2" type="sldImg"/>
@@ -1068,7 +1069,7 @@
       </p:sp>
       <p:sp>
         <p:nvSpPr>
-          <p:cNvPr id="130" name="Google Shape;130;g1b22e5e3f77_0_290:notes"/>
+          <p:cNvPr id="131" name="Google Shape;131;g1b220e7a566_0_77:notes"/>
           <p:cNvSpPr txBox="1"/>
           <p:nvPr>
             <p:ph idx="1" type="body"/>
@@ -1118,7 +1119,7 @@
   <p:cSld>
     <p:spTree>
       <p:nvGrpSpPr>
-        <p:cNvPr id="136" name="Shape 136"/>
+        <p:cNvPr id="135" name="Shape 135"/>
         <p:cNvGrpSpPr/>
         <p:nvPr/>
       </p:nvGrpSpPr>
@@ -1132,7 +1133,7 @@
       </p:grpSpPr>
       <p:sp>
         <p:nvSpPr>
-          <p:cNvPr id="137" name="Google Shape;137;g1b220e7a566_0_107:notes"/>
+          <p:cNvPr id="136" name="Google Shape;136;g1b22e5e3f77_0_290:notes"/>
           <p:cNvSpPr/>
           <p:nvPr>
             <p:ph idx="2" type="sldImg"/>
@@ -1167,7 +1168,7 @@
       </p:sp>
       <p:sp>
         <p:nvSpPr>
-          <p:cNvPr id="138" name="Google Shape;138;g1b220e7a566_0_107:notes"/>
+          <p:cNvPr id="137" name="Google Shape;137;g1b22e5e3f77_0_290:notes"/>
           <p:cNvSpPr txBox="1"/>
           <p:nvPr>
             <p:ph idx="1" type="body"/>
@@ -1231,7 +1232,7 @@
       </p:grpSpPr>
       <p:sp>
         <p:nvSpPr>
-          <p:cNvPr id="144" name="Google Shape;144;g1b220e7a566_0_112:notes"/>
+          <p:cNvPr id="144" name="Google Shape;144;g1b22e5e3f77_0_309:notes"/>
           <p:cNvSpPr/>
           <p:nvPr>
             <p:ph idx="2" type="sldImg"/>
@@ -1266,7 +1267,106 @@
       </p:sp>
       <p:sp>
         <p:nvSpPr>
-          <p:cNvPr id="145" name="Google Shape;145;g1b220e7a566_0_112:notes"/>
+          <p:cNvPr id="145" name="Google Shape;145;g1b22e5e3f77_0_309:notes"/>
+          <p:cNvSpPr txBox="1"/>
+          <p:nvPr>
+            <p:ph idx="1" type="body"/>
+          </p:nvPr>
+        </p:nvSpPr>
+        <p:spPr>
+          <a:xfrm>
+            <a:off x="685800" y="4343400"/>
+            <a:ext cx="5486400" cy="4114800"/>
+          </a:xfrm>
+          <a:prstGeom prst="rect">
+            <a:avLst/>
+          </a:prstGeom>
+        </p:spPr>
+        <p:txBody>
+          <a:bodyPr anchorCtr="0" anchor="t" bIns="91425" lIns="91425" spcFirstLastPara="1" rIns="91425" wrap="square" tIns="91425">
+            <a:noAutofit/>
+          </a:bodyPr>
+          <a:lstStyle/>
+          <a:p>
+            <a:pPr indent="0" lvl="0" marL="0" rtl="0" algn="l">
+              <a:spcBef>
+                <a:spcPts val="0"/>
+              </a:spcBef>
+              <a:spcAft>
+                <a:spcPts val="0"/>
+              </a:spcAft>
+              <a:buNone/>
+            </a:pPr>
+            <a:r>
+              <a:t/>
+            </a:r>
+            <a:endParaRPr/>
+          </a:p>
+        </p:txBody>
+      </p:sp>
+    </p:spTree>
+  </p:cSld>
+  <p:clrMapOvr>
+    <a:masterClrMapping/>
+  </p:clrMapOvr>
+</p:notes>
+</file>
+
+<file path=ppt/notesSlides/notesSlide15.xml><?xml version="1.0" encoding="utf-8"?>
+<p:notes xmlns:a="http://schemas.openxmlformats.org/drawingml/2006/main" xmlns:r="http://schemas.openxmlformats.org/officeDocument/2006/relationships" xmlns:mc="http://schemas.openxmlformats.org/markup-compatibility/2006" xmlns:mv="urn:schemas-microsoft-com:mac:vml" xmlns:p="http://schemas.openxmlformats.org/presentationml/2006/main" xmlns:c="http://schemas.openxmlformats.org/drawingml/2006/chart" xmlns:dgm="http://schemas.openxmlformats.org/drawingml/2006/diagram" xmlns:o="urn:schemas-microsoft-com:office:office" xmlns:v="urn:schemas-microsoft-com:vml" xmlns:pvml="urn:schemas-microsoft-com:office:powerpoint" xmlns:com="http://schemas.openxmlformats.org/drawingml/2006/compatibility" xmlns:p14="http://schemas.microsoft.com/office/powerpoint/2010/main" xmlns:p15="http://schemas.microsoft.com/office/powerpoint/2012/main" xmlns:ahyp="http://schemas.microsoft.com/office/drawing/2018/hyperlinkcolor" showMasterPhAnim="0" showMasterSp="0">
+  <p:cSld>
+    <p:spTree>
+      <p:nvGrpSpPr>
+        <p:cNvPr id="149" name="Shape 149"/>
+        <p:cNvGrpSpPr/>
+        <p:nvPr/>
+      </p:nvGrpSpPr>
+      <p:grpSpPr>
+        <a:xfrm>
+          <a:off x="0" y="0"/>
+          <a:ext cx="0" cy="0"/>
+          <a:chOff x="0" y="0"/>
+          <a:chExt cx="0" cy="0"/>
+        </a:xfrm>
+      </p:grpSpPr>
+      <p:sp>
+        <p:nvSpPr>
+          <p:cNvPr id="150" name="Google Shape;150;g1b220e7a566_0_112:notes"/>
+          <p:cNvSpPr/>
+          <p:nvPr>
+            <p:ph idx="2" type="sldImg"/>
+          </p:nvPr>
+        </p:nvSpPr>
+        <p:spPr>
+          <a:xfrm>
+            <a:off x="381300" y="685800"/>
+            <a:ext cx="6096000" cy="3429000"/>
+          </a:xfrm>
+          <a:custGeom>
+            <a:rect b="b" l="l" r="r" t="t"/>
+            <a:pathLst>
+              <a:path extrusionOk="0" h="120000" w="120000">
+                <a:moveTo>
+                  <a:pt x="0" y="0"/>
+                </a:moveTo>
+                <a:lnTo>
+                  <a:pt x="120000" y="0"/>
+                </a:lnTo>
+                <a:lnTo>
+                  <a:pt x="120000" y="120000"/>
+                </a:lnTo>
+                <a:lnTo>
+                  <a:pt x="0" y="120000"/>
+                </a:lnTo>
+                <a:close/>
+              </a:path>
+            </a:pathLst>
+          </a:custGeom>
+        </p:spPr>
+      </p:sp>
+      <p:sp>
+        <p:nvSpPr>
+          <p:cNvPr id="151" name="Google Shape;151;g1b220e7a566_0_112:notes"/>
           <p:cNvSpPr txBox="1"/>
           <p:nvPr>
             <p:ph idx="1" type="body"/>
@@ -7799,6 +7899,127 @@
         </p:nvSpPr>
         <p:spPr>
           <a:xfrm>
+            <a:off x="311700" y="445025"/>
+            <a:ext cx="8520600" cy="572700"/>
+          </a:xfrm>
+          <a:prstGeom prst="rect">
+            <a:avLst/>
+          </a:prstGeom>
+        </p:spPr>
+        <p:txBody>
+          <a:bodyPr anchorCtr="0" anchor="t" bIns="91425" lIns="91425" spcFirstLastPara="1" rIns="91425" wrap="square" tIns="91425">
+            <a:normAutofit fontScale="90000"/>
+          </a:bodyPr>
+          <a:lstStyle/>
+          <a:p>
+            <a:pPr indent="0" lvl="0" marL="0" rtl="0" algn="l">
+              <a:spcBef>
+                <a:spcPts val="0"/>
+              </a:spcBef>
+              <a:spcAft>
+                <a:spcPts val="0"/>
+              </a:spcAft>
+              <a:buNone/>
+            </a:pPr>
+            <a:r>
+              <a:rPr lang="tr"/>
+              <a:t>Calculations</a:t>
+            </a:r>
+            <a:endParaRPr/>
+          </a:p>
+        </p:txBody>
+      </p:sp>
+      <p:pic>
+        <p:nvPicPr>
+          <p:cNvPr id="127" name="Google Shape;127;p23"/>
+          <p:cNvPicPr preferRelativeResize="0"/>
+          <p:nvPr/>
+        </p:nvPicPr>
+        <p:blipFill>
+          <a:blip r:embed="rId3">
+            <a:alphaModFix/>
+          </a:blip>
+          <a:stretch>
+            <a:fillRect/>
+          </a:stretch>
+        </p:blipFill>
+        <p:spPr>
+          <a:xfrm>
+            <a:off x="499725" y="1017725"/>
+            <a:ext cx="3457200" cy="3515550"/>
+          </a:xfrm>
+          <a:prstGeom prst="rect">
+            <a:avLst/>
+          </a:prstGeom>
+          <a:noFill/>
+          <a:ln>
+            <a:noFill/>
+          </a:ln>
+        </p:spPr>
+      </p:pic>
+      <p:pic>
+        <p:nvPicPr>
+          <p:cNvPr id="128" name="Google Shape;128;p23"/>
+          <p:cNvPicPr preferRelativeResize="0"/>
+          <p:nvPr/>
+        </p:nvPicPr>
+        <p:blipFill>
+          <a:blip r:embed="rId4">
+            <a:alphaModFix/>
+          </a:blip>
+          <a:stretch>
+            <a:fillRect/>
+          </a:stretch>
+        </p:blipFill>
+        <p:spPr>
+          <a:xfrm>
+            <a:off x="4659925" y="1017725"/>
+            <a:ext cx="3650754" cy="3515550"/>
+          </a:xfrm>
+          <a:prstGeom prst="rect">
+            <a:avLst/>
+          </a:prstGeom>
+          <a:noFill/>
+          <a:ln>
+            <a:noFill/>
+          </a:ln>
+        </p:spPr>
+      </p:pic>
+    </p:spTree>
+  </p:cSld>
+  <p:clrMapOvr>
+    <a:masterClrMapping/>
+  </p:clrMapOvr>
+</p:sld>
+</file>
+
+<file path=ppt/slides/slide12.xml><?xml version="1.0" encoding="utf-8"?>
+<p:sld xmlns:a="http://schemas.openxmlformats.org/drawingml/2006/main" xmlns:r="http://schemas.openxmlformats.org/officeDocument/2006/relationships" xmlns:mc="http://schemas.openxmlformats.org/markup-compatibility/2006" xmlns:mv="urn:schemas-microsoft-com:mac:vml" xmlns:p="http://schemas.openxmlformats.org/presentationml/2006/main" xmlns:c="http://schemas.openxmlformats.org/drawingml/2006/chart" xmlns:dgm="http://schemas.openxmlformats.org/drawingml/2006/diagram" xmlns:o="urn:schemas-microsoft-com:office:office" xmlns:v="urn:schemas-microsoft-com:vml" xmlns:pvml="urn:schemas-microsoft-com:office:powerpoint" xmlns:com="http://schemas.openxmlformats.org/drawingml/2006/compatibility" xmlns:p14="http://schemas.microsoft.com/office/powerpoint/2010/main" xmlns:p15="http://schemas.microsoft.com/office/powerpoint/2012/main" xmlns:ahyp="http://schemas.microsoft.com/office/drawing/2018/hyperlinkcolor">
+  <p:cSld>
+    <p:spTree>
+      <p:nvGrpSpPr>
+        <p:cNvPr id="132" name="Shape 132"/>
+        <p:cNvGrpSpPr/>
+        <p:nvPr/>
+      </p:nvGrpSpPr>
+      <p:grpSpPr>
+        <a:xfrm>
+          <a:off x="0" y="0"/>
+          <a:ext cx="0" cy="0"/>
+          <a:chOff x="0" y="0"/>
+          <a:chExt cx="0" cy="0"/>
+        </a:xfrm>
+      </p:grpSpPr>
+      <p:sp>
+        <p:nvSpPr>
+          <p:cNvPr id="133" name="Google Shape;133;p24"/>
+          <p:cNvSpPr txBox="1"/>
+          <p:nvPr>
+            <p:ph type="title"/>
+          </p:nvPr>
+        </p:nvSpPr>
+        <p:spPr>
+          <a:xfrm>
             <a:off x="311700" y="113525"/>
             <a:ext cx="8520600" cy="572700"/>
           </a:xfrm>
@@ -7831,7 +8052,7 @@
       </p:sp>
       <p:graphicFrame>
         <p:nvGraphicFramePr>
-          <p:cNvPr id="127" name="Google Shape;127;p23"/>
+          <p:cNvPr id="134" name="Google Shape;134;p24"/>
           <p:cNvGraphicFramePr/>
           <p:nvPr/>
         </p:nvGraphicFramePr>
@@ -7844,7 +8065,7 @@
             <a:tbl>
               <a:tblPr>
                 <a:noFill/>
-                <a:tableStyleId>{5227A2C1-929A-4611-BAAD-25139E455D1A}</a:tableStyleId>
+                <a:tableStyleId>{45700E17-123D-4717-BB65-A62C06521F91}</a:tableStyleId>
               </a:tblPr>
               <a:tblGrid>
                 <a:gridCol w="1734100"/>
@@ -7997,7 +8218,17 @@
                       </a:endParaRPr>
                     </a:p>
                   </a:txBody>
-                  <a:tcPr marT="91425" marB="91425" marR="91425" marL="91425"/>
+                  <a:tcPr marT="91425" marB="91425" marR="91425" marL="91425">
+                    <a:lnB cap="flat" cmpd="sng" w="9525">
+                      <a:solidFill>
+                        <a:schemeClr val="dk1"/>
+                      </a:solidFill>
+                      <a:prstDash val="solid"/>
+                      <a:round/>
+                      <a:headEnd len="sm" w="sm" type="none"/>
+                      <a:tailEnd len="sm" w="sm" type="none"/>
+                    </a:lnB>
+                  </a:tcPr>
                 </a:tc>
               </a:tr>
               <a:tr h="717200">
@@ -8098,7 +8329,17 @@
                       </a:endParaRPr>
                     </a:p>
                   </a:txBody>
-                  <a:tcPr marT="91425" marB="91425" marR="91425" marL="91425"/>
+                  <a:tcPr marT="91425" marB="91425" marR="91425" marL="91425">
+                    <a:lnR cap="flat" cmpd="sng" w="9525">
+                      <a:solidFill>
+                        <a:schemeClr val="dk1"/>
+                      </a:solidFill>
+                      <a:prstDash val="solid"/>
+                      <a:round/>
+                      <a:headEnd len="sm" w="sm" type="none"/>
+                      <a:tailEnd len="sm" w="sm" type="none"/>
+                    </a:lnR>
+                  </a:tcPr>
                 </a:tc>
                 <a:tc>
                   <a:txBody>
@@ -8120,7 +8361,39 @@
                             <a:schemeClr val="dk1"/>
                           </a:solidFill>
                         </a:rPr>
-                        <a:t>39A (25)</a:t>
+                        <a:t>39A (</a:t>
+                      </a:r>
+                      <a:r>
+                        <a:rPr lang="tr" sz="1800">
+                          <a:solidFill>
+                            <a:schemeClr val="dk1"/>
+                          </a:solidFill>
+                          <a:latin typeface="Average"/>
+                          <a:ea typeface="Average"/>
+                          <a:cs typeface="Average"/>
+                          <a:sym typeface="Average"/>
+                        </a:rPr>
+                        <a:t>25 </a:t>
+                      </a:r>
+                      <a:r>
+                        <a:rPr lang="tr" sz="1800">
+                          <a:solidFill>
+                            <a:schemeClr val="dk1"/>
+                          </a:solidFill>
+                          <a:latin typeface="Average"/>
+                          <a:ea typeface="Average"/>
+                          <a:cs typeface="Average"/>
+                          <a:sym typeface="Average"/>
+                        </a:rPr>
+                        <a:t>°C</a:t>
+                      </a:r>
+                      <a:r>
+                        <a:rPr lang="tr" sz="1800">
+                          <a:solidFill>
+                            <a:schemeClr val="dk1"/>
+                          </a:solidFill>
+                        </a:rPr>
+                        <a:t>)</a:t>
                       </a:r>
                       <a:endParaRPr sz="1800">
                         <a:solidFill>
@@ -8129,7 +8402,44 @@
                       </a:endParaRPr>
                     </a:p>
                   </a:txBody>
-                  <a:tcPr marT="91425" marB="91425" marR="91425" marL="91425"/>
+                  <a:tcPr marT="91425" marB="91425" marR="91425" marL="91425">
+                    <a:lnL cap="flat" cmpd="sng" w="9525">
+                      <a:solidFill>
+                        <a:schemeClr val="dk1"/>
+                      </a:solidFill>
+                      <a:prstDash val="solid"/>
+                      <a:round/>
+                      <a:headEnd len="sm" w="sm" type="none"/>
+                      <a:tailEnd len="sm" w="sm" type="none"/>
+                    </a:lnL>
+                    <a:lnR cap="flat" cmpd="sng" w="9525">
+                      <a:solidFill>
+                        <a:schemeClr val="dk1"/>
+                      </a:solidFill>
+                      <a:prstDash val="solid"/>
+                      <a:round/>
+                      <a:headEnd len="sm" w="sm" type="none"/>
+                      <a:tailEnd len="sm" w="sm" type="none"/>
+                    </a:lnR>
+                    <a:lnT cap="flat" cmpd="sng" w="9525">
+                      <a:solidFill>
+                        <a:schemeClr val="dk1"/>
+                      </a:solidFill>
+                      <a:prstDash val="solid"/>
+                      <a:round/>
+                      <a:headEnd len="sm" w="sm" type="none"/>
+                      <a:tailEnd len="sm" w="sm" type="none"/>
+                    </a:lnT>
+                    <a:lnB cap="flat" cmpd="sng" w="9525">
+                      <a:solidFill>
+                        <a:schemeClr val="dk1"/>
+                      </a:solidFill>
+                      <a:prstDash val="solid"/>
+                      <a:round/>
+                      <a:headEnd len="sm" w="sm" type="none"/>
+                      <a:tailEnd len="sm" w="sm" type="none"/>
+                    </a:lnB>
+                  </a:tcPr>
                 </a:tc>
               </a:tr>
               <a:tr h="571975">
@@ -8261,7 +8571,17 @@
                       </a:endParaRPr>
                     </a:p>
                   </a:txBody>
-                  <a:tcPr marT="91425" marB="91425" marR="91425" marL="91425"/>
+                  <a:tcPr marT="91425" marB="91425" marR="91425" marL="91425">
+                    <a:lnT cap="flat" cmpd="sng" w="9525">
+                      <a:solidFill>
+                        <a:schemeClr val="dk1"/>
+                      </a:solidFill>
+                      <a:prstDash val="solid"/>
+                      <a:round/>
+                      <a:headEnd len="sm" w="sm" type="none"/>
+                      <a:tailEnd len="sm" w="sm" type="none"/>
+                    </a:lnT>
+                  </a:tcPr>
                 </a:tc>
               </a:tr>
               <a:tr h="717200">
@@ -8641,12 +8961,12 @@
 </p:sld>
 </file>
 
-<file path=ppt/slides/slide12.xml><?xml version="1.0" encoding="utf-8"?>
+<file path=ppt/slides/slide13.xml><?xml version="1.0" encoding="utf-8"?>
 <p:sld xmlns:a="http://schemas.openxmlformats.org/drawingml/2006/main" xmlns:r="http://schemas.openxmlformats.org/officeDocument/2006/relationships" xmlns:mc="http://schemas.openxmlformats.org/markup-compatibility/2006" xmlns:mv="urn:schemas-microsoft-com:mac:vml" xmlns:p="http://schemas.openxmlformats.org/presentationml/2006/main" xmlns:c="http://schemas.openxmlformats.org/drawingml/2006/chart" xmlns:dgm="http://schemas.openxmlformats.org/drawingml/2006/diagram" xmlns:o="urn:schemas-microsoft-com:office:office" xmlns:v="urn:schemas-microsoft-com:vml" xmlns:pvml="urn:schemas-microsoft-com:office:powerpoint" xmlns:com="http://schemas.openxmlformats.org/drawingml/2006/compatibility" xmlns:p14="http://schemas.microsoft.com/office/powerpoint/2010/main" xmlns:p15="http://schemas.microsoft.com/office/powerpoint/2012/main" xmlns:ahyp="http://schemas.microsoft.com/office/drawing/2018/hyperlinkcolor">
   <p:cSld>
     <p:spTree>
       <p:nvGrpSpPr>
-        <p:cNvPr id="131" name="Shape 131"/>
+        <p:cNvPr id="138" name="Shape 138"/>
         <p:cNvGrpSpPr/>
         <p:nvPr/>
       </p:nvGrpSpPr>
@@ -8660,7 +8980,7 @@
       </p:grpSpPr>
       <p:pic>
         <p:nvPicPr>
-          <p:cNvPr id="132" name="Google Shape;132;p24"/>
+          <p:cNvPr id="139" name="Google Shape;139;p25"/>
           <p:cNvPicPr preferRelativeResize="0"/>
           <p:nvPr/>
         </p:nvPicPr>
@@ -8688,7 +9008,7 @@
       </p:pic>
       <p:pic>
         <p:nvPicPr>
-          <p:cNvPr id="133" name="Google Shape;133;p24"/>
+          <p:cNvPr id="140" name="Google Shape;140;p25"/>
           <p:cNvPicPr preferRelativeResize="0"/>
           <p:nvPr/>
         </p:nvPicPr>
@@ -8716,7 +9036,7 @@
       </p:pic>
       <p:sp>
         <p:nvSpPr>
-          <p:cNvPr id="134" name="Google Shape;134;p24"/>
+          <p:cNvPr id="141" name="Google Shape;141;p25"/>
           <p:cNvSpPr txBox="1"/>
           <p:nvPr/>
         </p:nvSpPr>
@@ -8769,7 +9089,7 @@
       </p:sp>
       <p:sp>
         <p:nvSpPr>
-          <p:cNvPr id="135" name="Google Shape;135;p24"/>
+          <p:cNvPr id="142" name="Google Shape;142;p25"/>
           <p:cNvSpPr txBox="1"/>
           <p:nvPr/>
         </p:nvSpPr>
@@ -8864,137 +9184,9 @@
 </p:sld>
 </file>
 
-<file path=ppt/slides/slide13.xml><?xml version="1.0" encoding="utf-8"?>
-<p:sld xmlns:a="http://schemas.openxmlformats.org/drawingml/2006/main" xmlns:r="http://schemas.openxmlformats.org/officeDocument/2006/relationships" xmlns:mc="http://schemas.openxmlformats.org/markup-compatibility/2006" xmlns:mv="urn:schemas-microsoft-com:mac:vml" xmlns:p="http://schemas.openxmlformats.org/presentationml/2006/main" xmlns:c="http://schemas.openxmlformats.org/drawingml/2006/chart" xmlns:dgm="http://schemas.openxmlformats.org/drawingml/2006/diagram" xmlns:o="urn:schemas-microsoft-com:office:office" xmlns:v="urn:schemas-microsoft-com:vml" xmlns:pvml="urn:schemas-microsoft-com:office:powerpoint" xmlns:com="http://schemas.openxmlformats.org/drawingml/2006/compatibility" xmlns:p14="http://schemas.microsoft.com/office/powerpoint/2010/main" xmlns:p15="http://schemas.microsoft.com/office/powerpoint/2012/main" xmlns:ahyp="http://schemas.microsoft.com/office/drawing/2018/hyperlinkcolor">
-  <p:cSld>
-    <p:spTree>
-      <p:nvGrpSpPr>
-        <p:cNvPr id="139" name="Shape 139"/>
-        <p:cNvGrpSpPr/>
-        <p:nvPr/>
-      </p:nvGrpSpPr>
-      <p:grpSpPr>
-        <a:xfrm>
-          <a:off x="0" y="0"/>
-          <a:ext cx="0" cy="0"/>
-          <a:chOff x="0" y="0"/>
-          <a:chExt cx="0" cy="0"/>
-        </a:xfrm>
-      </p:grpSpPr>
-      <p:sp>
-        <p:nvSpPr>
-          <p:cNvPr id="140" name="Google Shape;140;p25"/>
-          <p:cNvSpPr txBox="1"/>
-          <p:nvPr>
-            <p:ph type="title"/>
-          </p:nvPr>
-        </p:nvSpPr>
-        <p:spPr>
-          <a:xfrm>
-            <a:off x="311700" y="445025"/>
-            <a:ext cx="8520600" cy="572700"/>
-          </a:xfrm>
-          <a:prstGeom prst="rect">
-            <a:avLst/>
-          </a:prstGeom>
-        </p:spPr>
-        <p:txBody>
-          <a:bodyPr anchorCtr="0" anchor="t" bIns="91425" lIns="91425" spcFirstLastPara="1" rIns="91425" wrap="square" tIns="91425">
-            <a:normAutofit fontScale="90000"/>
-          </a:bodyPr>
-          <a:lstStyle/>
-          <a:p>
-            <a:pPr indent="0" lvl="0" marL="0" rtl="0" algn="l">
-              <a:spcBef>
-                <a:spcPts val="0"/>
-              </a:spcBef>
-              <a:spcAft>
-                <a:spcPts val="0"/>
-              </a:spcAft>
-              <a:buNone/>
-            </a:pPr>
-            <a:r>
-              <a:rPr lang="tr"/>
-              <a:t>Calculations</a:t>
-            </a:r>
-            <a:endParaRPr/>
-          </a:p>
-        </p:txBody>
-      </p:sp>
-      <p:pic>
-        <p:nvPicPr>
-          <p:cNvPr id="141" name="Google Shape;141;p25"/>
-          <p:cNvPicPr preferRelativeResize="0"/>
-          <p:nvPr/>
-        </p:nvPicPr>
-        <p:blipFill>
-          <a:blip r:embed="rId3">
-            <a:alphaModFix/>
-          </a:blip>
-          <a:stretch>
-            <a:fillRect/>
-          </a:stretch>
-        </p:blipFill>
-        <p:spPr>
-          <a:xfrm>
-            <a:off x="499725" y="1017725"/>
-            <a:ext cx="3457200" cy="3515550"/>
-          </a:xfrm>
-          <a:prstGeom prst="rect">
-            <a:avLst/>
-          </a:prstGeom>
-          <a:noFill/>
-          <a:ln>
-            <a:noFill/>
-          </a:ln>
-        </p:spPr>
-      </p:pic>
-      <p:pic>
-        <p:nvPicPr>
-          <p:cNvPr id="142" name="Google Shape;142;p25"/>
-          <p:cNvPicPr preferRelativeResize="0"/>
-          <p:nvPr/>
-        </p:nvPicPr>
-        <p:blipFill>
-          <a:blip r:embed="rId4">
-            <a:alphaModFix/>
-          </a:blip>
-          <a:stretch>
-            <a:fillRect/>
-          </a:stretch>
-        </p:blipFill>
-        <p:spPr>
-          <a:xfrm>
-            <a:off x="4659925" y="1017725"/>
-            <a:ext cx="3650754" cy="3515550"/>
-          </a:xfrm>
-          <a:prstGeom prst="rect">
-            <a:avLst/>
-          </a:prstGeom>
-          <a:noFill/>
-          <a:ln>
-            <a:noFill/>
-          </a:ln>
-        </p:spPr>
-      </p:pic>
-    </p:spTree>
-  </p:cSld>
-  <p:clrMapOvr>
-    <a:masterClrMapping/>
-  </p:clrMapOvr>
-</p:sld>
-</file>
-
 <file path=ppt/slides/slide14.xml><?xml version="1.0" encoding="utf-8"?>
 <p:sld xmlns:a="http://schemas.openxmlformats.org/drawingml/2006/main" xmlns:r="http://schemas.openxmlformats.org/officeDocument/2006/relationships" xmlns:mc="http://schemas.openxmlformats.org/markup-compatibility/2006" xmlns:mv="urn:schemas-microsoft-com:mac:vml" xmlns:p="http://schemas.openxmlformats.org/presentationml/2006/main" xmlns:c="http://schemas.openxmlformats.org/drawingml/2006/chart" xmlns:dgm="http://schemas.openxmlformats.org/drawingml/2006/diagram" xmlns:o="urn:schemas-microsoft-com:office:office" xmlns:v="urn:schemas-microsoft-com:vml" xmlns:pvml="urn:schemas-microsoft-com:office:powerpoint" xmlns:com="http://schemas.openxmlformats.org/drawingml/2006/compatibility" xmlns:p14="http://schemas.microsoft.com/office/powerpoint/2010/main" xmlns:p15="http://schemas.microsoft.com/office/powerpoint/2012/main" xmlns:ahyp="http://schemas.microsoft.com/office/drawing/2018/hyperlinkcolor">
   <p:cSld>
-    <p:bg>
-      <p:bgPr>
-        <a:solidFill>
-          <a:schemeClr val="dk2"/>
-        </a:solidFill>
-      </p:bgPr>
-    </p:bg>
     <p:spTree>
       <p:nvGrpSpPr>
         <p:cNvPr id="146" name="Shape 146"/>
@@ -9043,6 +9235,106 @@
             </a:pPr>
             <a:r>
               <a:rPr lang="tr"/>
+              <a:t>Thermal Calculations</a:t>
+            </a:r>
+            <a:endParaRPr/>
+          </a:p>
+        </p:txBody>
+      </p:sp>
+      <p:pic>
+        <p:nvPicPr>
+          <p:cNvPr id="148" name="Google Shape;148;p26"/>
+          <p:cNvPicPr preferRelativeResize="0"/>
+          <p:nvPr/>
+        </p:nvPicPr>
+        <p:blipFill>
+          <a:blip r:embed="rId3">
+            <a:alphaModFix/>
+          </a:blip>
+          <a:stretch>
+            <a:fillRect/>
+          </a:stretch>
+        </p:blipFill>
+        <p:spPr>
+          <a:xfrm>
+            <a:off x="54575" y="1152475"/>
+            <a:ext cx="9034851" cy="2331575"/>
+          </a:xfrm>
+          <a:prstGeom prst="rect">
+            <a:avLst/>
+          </a:prstGeom>
+          <a:noFill/>
+          <a:ln>
+            <a:noFill/>
+          </a:ln>
+        </p:spPr>
+      </p:pic>
+    </p:spTree>
+  </p:cSld>
+  <p:clrMapOvr>
+    <a:masterClrMapping/>
+  </p:clrMapOvr>
+</p:sld>
+</file>
+
+<file path=ppt/slides/slide15.xml><?xml version="1.0" encoding="utf-8"?>
+<p:sld xmlns:a="http://schemas.openxmlformats.org/drawingml/2006/main" xmlns:r="http://schemas.openxmlformats.org/officeDocument/2006/relationships" xmlns:mc="http://schemas.openxmlformats.org/markup-compatibility/2006" xmlns:mv="urn:schemas-microsoft-com:mac:vml" xmlns:p="http://schemas.openxmlformats.org/presentationml/2006/main" xmlns:c="http://schemas.openxmlformats.org/drawingml/2006/chart" xmlns:dgm="http://schemas.openxmlformats.org/drawingml/2006/diagram" xmlns:o="urn:schemas-microsoft-com:office:office" xmlns:v="urn:schemas-microsoft-com:vml" xmlns:pvml="urn:schemas-microsoft-com:office:powerpoint" xmlns:com="http://schemas.openxmlformats.org/drawingml/2006/compatibility" xmlns:p14="http://schemas.microsoft.com/office/powerpoint/2010/main" xmlns:p15="http://schemas.microsoft.com/office/powerpoint/2012/main" xmlns:ahyp="http://schemas.microsoft.com/office/drawing/2018/hyperlinkcolor">
+  <p:cSld>
+    <p:bg>
+      <p:bgPr>
+        <a:solidFill>
+          <a:schemeClr val="dk2"/>
+        </a:solidFill>
+      </p:bgPr>
+    </p:bg>
+    <p:spTree>
+      <p:nvGrpSpPr>
+        <p:cNvPr id="152" name="Shape 152"/>
+        <p:cNvGrpSpPr/>
+        <p:nvPr/>
+      </p:nvGrpSpPr>
+      <p:grpSpPr>
+        <a:xfrm>
+          <a:off x="0" y="0"/>
+          <a:ext cx="0" cy="0"/>
+          <a:chOff x="0" y="0"/>
+          <a:chExt cx="0" cy="0"/>
+        </a:xfrm>
+      </p:grpSpPr>
+      <p:sp>
+        <p:nvSpPr>
+          <p:cNvPr id="153" name="Google Shape;153;p27"/>
+          <p:cNvSpPr txBox="1"/>
+          <p:nvPr>
+            <p:ph type="title"/>
+          </p:nvPr>
+        </p:nvSpPr>
+        <p:spPr>
+          <a:xfrm>
+            <a:off x="311700" y="445025"/>
+            <a:ext cx="8520600" cy="572700"/>
+          </a:xfrm>
+          <a:prstGeom prst="rect">
+            <a:avLst/>
+          </a:prstGeom>
+        </p:spPr>
+        <p:txBody>
+          <a:bodyPr anchorCtr="0" anchor="t" bIns="91425" lIns="91425" spcFirstLastPara="1" rIns="91425" wrap="square" tIns="91425">
+            <a:normAutofit fontScale="90000"/>
+          </a:bodyPr>
+          <a:lstStyle/>
+          <a:p>
+            <a:pPr indent="0" lvl="0" marL="0" rtl="0" algn="l">
+              <a:spcBef>
+                <a:spcPts val="0"/>
+              </a:spcBef>
+              <a:spcAft>
+                <a:spcPts val="0"/>
+              </a:spcAft>
+              <a:buNone/>
+            </a:pPr>
+            <a:r>
+              <a:rPr lang="tr"/>
               <a:t>Conclusion</a:t>
             </a:r>
             <a:endParaRPr/>
@@ -9051,7 +9343,7 @@
       </p:sp>
       <p:pic>
         <p:nvPicPr>
-          <p:cNvPr id="148" name="Google Shape;148;p26"/>
+          <p:cNvPr id="154" name="Google Shape;154;p27"/>
           <p:cNvPicPr preferRelativeResize="0"/>
           <p:nvPr/>
         </p:nvPicPr>
@@ -9079,7 +9371,7 @@
       </p:pic>
       <p:pic>
         <p:nvPicPr>
-          <p:cNvPr id="149" name="Google Shape;149;p26"/>
+          <p:cNvPr id="155" name="Google Shape;155;p27"/>
           <p:cNvPicPr preferRelativeResize="0"/>
           <p:nvPr/>
         </p:nvPicPr>
@@ -9107,7 +9399,7 @@
       </p:pic>
       <p:pic>
         <p:nvPicPr>
-          <p:cNvPr id="150" name="Google Shape;150;p26"/>
+          <p:cNvPr id="156" name="Google Shape;156;p27"/>
           <p:cNvPicPr preferRelativeResize="0"/>
           <p:nvPr/>
         </p:nvPicPr>
@@ -9135,7 +9427,7 @@
       </p:pic>
       <p:pic>
         <p:nvPicPr>
-          <p:cNvPr id="151" name="Google Shape;151;p26"/>
+          <p:cNvPr id="157" name="Google Shape;157;p27"/>
           <p:cNvPicPr preferRelativeResize="0"/>
           <p:nvPr/>
         </p:nvPicPr>
@@ -9163,7 +9455,7 @@
       </p:pic>
       <p:sp>
         <p:nvSpPr>
-          <p:cNvPr id="152" name="Google Shape;152;p26"/>
+          <p:cNvPr id="158" name="Google Shape;158;p27"/>
           <p:cNvSpPr txBox="1"/>
           <p:nvPr/>
         </p:nvSpPr>
@@ -9213,7 +9505,7 @@
       </p:sp>
       <p:sp>
         <p:nvSpPr>
-          <p:cNvPr id="153" name="Google Shape;153;p26"/>
+          <p:cNvPr id="159" name="Google Shape;159;p27"/>
           <p:cNvSpPr txBox="1"/>
           <p:nvPr/>
         </p:nvSpPr>
@@ -9263,7 +9555,7 @@
       </p:sp>
       <p:sp>
         <p:nvSpPr>
-          <p:cNvPr id="154" name="Google Shape;154;p26"/>
+          <p:cNvPr id="160" name="Google Shape;160;p27"/>
           <p:cNvSpPr txBox="1"/>
           <p:nvPr/>
         </p:nvSpPr>
@@ -9313,7 +9605,7 @@
       </p:sp>
       <p:sp>
         <p:nvSpPr>
-          <p:cNvPr id="155" name="Google Shape;155;p26"/>
+          <p:cNvPr id="161" name="Google Shape;161;p27"/>
           <p:cNvSpPr txBox="1"/>
           <p:nvPr/>
         </p:nvSpPr>
@@ -9436,8 +9728,8 @@
         </p:nvSpPr>
         <p:spPr>
           <a:xfrm>
-            <a:off x="483450" y="1489825"/>
-            <a:ext cx="8272800" cy="3078900"/>
+            <a:off x="559500" y="1489825"/>
+            <a:ext cx="8196900" cy="3078900"/>
           </a:xfrm>
           <a:prstGeom prst="rect">
             <a:avLst/>
@@ -9529,6 +9821,23 @@
             </a:pPr>
             <a:r>
               <a:rPr lang="tr" sz="1900"/>
+              <a:t>Calculations</a:t>
+            </a:r>
+            <a:endParaRPr sz="1900"/>
+          </a:p>
+          <a:p>
+            <a:pPr indent="-349250" lvl="0" marL="457200" rtl="0" algn="l">
+              <a:spcBef>
+                <a:spcPts val="0"/>
+              </a:spcBef>
+              <a:spcAft>
+                <a:spcPts val="0"/>
+              </a:spcAft>
+              <a:buSzPts val="1900"/>
+              <a:buChar char="❏"/>
+            </a:pPr>
+            <a:r>
+              <a:rPr lang="tr" sz="1900"/>
               <a:t>Component Selection</a:t>
             </a:r>
             <a:endParaRPr sz="1900"/>
@@ -9546,7 +9855,7 @@
             </a:pPr>
             <a:r>
               <a:rPr lang="tr" sz="1900"/>
-              <a:t>Calculations</a:t>
+              <a:t>Thermal Calculation</a:t>
             </a:r>
             <a:endParaRPr sz="1900"/>
           </a:p>
@@ -10761,6 +11070,285 @@
 </file>
 
 <file path=ppt/theme/theme1.xml><?xml version="1.0" encoding="utf-8"?>
+<a:theme xmlns:a="http://schemas.openxmlformats.org/drawingml/2006/main" xmlns:r="http://schemas.openxmlformats.org/officeDocument/2006/relationships" name="Slate">
+  <a:themeElements>
+    <a:clrScheme name="Slate">
+      <a:dk1>
+        <a:srgbClr val="FFFFFF"/>
+      </a:dk1>
+      <a:lt1>
+        <a:srgbClr val="37474F"/>
+      </a:lt1>
+      <a:dk2>
+        <a:srgbClr val="9E9E9E"/>
+      </a:dk2>
+      <a:lt2>
+        <a:srgbClr val="E0E0E0"/>
+      </a:lt2>
+      <a:accent1>
+        <a:srgbClr val="616161"/>
+      </a:accent1>
+      <a:accent2>
+        <a:srgbClr val="78909C"/>
+      </a:accent2>
+      <a:accent3>
+        <a:srgbClr val="CACACA"/>
+      </a:accent3>
+      <a:accent4>
+        <a:srgbClr val="64FFDA"/>
+      </a:accent4>
+      <a:accent5>
+        <a:srgbClr val="FFD966"/>
+      </a:accent5>
+      <a:accent6>
+        <a:srgbClr val="F5F5F5"/>
+      </a:accent6>
+      <a:hlink>
+        <a:srgbClr val="FFD966"/>
+      </a:hlink>
+      <a:folHlink>
+        <a:srgbClr val="FFD966"/>
+      </a:folHlink>
+    </a:clrScheme>
+    <a:fontScheme name="Office">
+      <a:majorFont>
+        <a:latin typeface="Arial"/>
+        <a:ea typeface=""/>
+        <a:cs typeface=""/>
+        <a:font script="Jpan" typeface="ＭＳ Ｐゴシック"/>
+        <a:font script="Hang" typeface="맑은 고딕"/>
+        <a:font script="Hans" typeface="宋体"/>
+        <a:font script="Hant" typeface="新細明體"/>
+        <a:font script="Arab" typeface="Times New Roman"/>
+        <a:font script="Hebr" typeface="Times New Roman"/>
+        <a:font script="Thai" typeface="Angsana New"/>
+        <a:font script="Ethi" typeface="Nyala"/>
+        <a:font script="Beng" typeface="Vrinda"/>
+        <a:font script="Gujr" typeface="Shruti"/>
+        <a:font script="Khmr" typeface="MoolBoran"/>
+        <a:font script="Knda" typeface="Tunga"/>
+        <a:font script="Guru" typeface="Raavi"/>
+        <a:font script="Cans" typeface="Euphemia"/>
+        <a:font script="Cher" typeface="Plantagenet Cherokee"/>
+        <a:font script="Yiii" typeface="Microsoft Yi Baiti"/>
+        <a:font script="Tibt" typeface="Microsoft Himalaya"/>
+        <a:font script="Thaa" typeface="MV Boli"/>
+        <a:font script="Deva" typeface="Mangal"/>
+        <a:font script="Telu" typeface="Gautami"/>
+        <a:font script="Taml" typeface="Latha"/>
+        <a:font script="Syrc" typeface="Estrangelo Edessa"/>
+        <a:font script="Orya" typeface="Kalinga"/>
+        <a:font script="Mlym" typeface="Kartika"/>
+        <a:font script="Laoo" typeface="DokChampa"/>
+        <a:font script="Sinh" typeface="Iskoola Pota"/>
+        <a:font script="Mong" typeface="Mongolian Baiti"/>
+        <a:font script="Viet" typeface="Times New Roman"/>
+        <a:font script="Uigh" typeface="Microsoft Uighur"/>
+        <a:font script="Geor" typeface="Sylfaen"/>
+      </a:majorFont>
+      <a:minorFont>
+        <a:latin typeface="Arial"/>
+        <a:ea typeface=""/>
+        <a:cs typeface=""/>
+        <a:font script="Jpan" typeface="ＭＳ Ｐゴシック"/>
+        <a:font script="Hang" typeface="맑은 고딕"/>
+        <a:font script="Hans" typeface="宋体"/>
+        <a:font script="Hant" typeface="新細明體"/>
+        <a:font script="Arab" typeface="Arial"/>
+        <a:font script="Hebr" typeface="Arial"/>
+        <a:font script="Thai" typeface="Cordia New"/>
+        <a:font script="Ethi" typeface="Nyala"/>
+        <a:font script="Beng" typeface="Vrinda"/>
+        <a:font script="Gujr" typeface="Shruti"/>
+        <a:font script="Khmr" typeface="DaunPenh"/>
+        <a:font script="Knda" typeface="Tunga"/>
+        <a:font script="Guru" typeface="Raavi"/>
+        <a:font script="Cans" typeface="Euphemia"/>
+        <a:font script="Cher" typeface="Plantagenet Cherokee"/>
+        <a:font script="Yiii" typeface="Microsoft Yi Baiti"/>
+        <a:font script="Tibt" typeface="Microsoft Himalaya"/>
+        <a:font script="Thaa" typeface="MV Boli"/>
+        <a:font script="Deva" typeface="Mangal"/>
+        <a:font script="Telu" typeface="Gautami"/>
+        <a:font script="Taml" typeface="Latha"/>
+        <a:font script="Syrc" typeface="Estrangelo Edessa"/>
+        <a:font script="Orya" typeface="Kalinga"/>
+        <a:font script="Mlym" typeface="Kartika"/>
+        <a:font script="Laoo" typeface="DokChampa"/>
+        <a:font script="Sinh" typeface="Iskoola Pota"/>
+        <a:font script="Mong" typeface="Mongolian Baiti"/>
+        <a:font script="Viet" typeface="Arial"/>
+        <a:font script="Uigh" typeface="Microsoft Uighur"/>
+        <a:font script="Geor" typeface="Sylfaen"/>
+      </a:minorFont>
+    </a:fontScheme>
+    <a:fmtScheme name="Office">
+      <a:fillStyleLst>
+        <a:solidFill>
+          <a:schemeClr val="phClr"/>
+        </a:solidFill>
+        <a:gradFill rotWithShape="1">
+          <a:gsLst>
+            <a:gs pos="0">
+              <a:schemeClr val="phClr">
+                <a:tint val="50000"/>
+                <a:satMod val="300000"/>
+              </a:schemeClr>
+            </a:gs>
+            <a:gs pos="35000">
+              <a:schemeClr val="phClr">
+                <a:tint val="37000"/>
+                <a:satMod val="300000"/>
+              </a:schemeClr>
+            </a:gs>
+            <a:gs pos="100000">
+              <a:schemeClr val="phClr">
+                <a:tint val="15000"/>
+                <a:satMod val="350000"/>
+              </a:schemeClr>
+            </a:gs>
+          </a:gsLst>
+          <a:lin ang="16200000" scaled="1"/>
+        </a:gradFill>
+        <a:gradFill rotWithShape="1">
+          <a:gsLst>
+            <a:gs pos="0">
+              <a:schemeClr val="phClr">
+                <a:tint val="100000"/>
+                <a:shade val="100000"/>
+                <a:satMod val="130000"/>
+              </a:schemeClr>
+            </a:gs>
+            <a:gs pos="100000">
+              <a:schemeClr val="phClr">
+                <a:tint val="50000"/>
+                <a:shade val="100000"/>
+                <a:satMod val="350000"/>
+              </a:schemeClr>
+            </a:gs>
+          </a:gsLst>
+          <a:lin ang="16200000" scaled="0"/>
+        </a:gradFill>
+      </a:fillStyleLst>
+      <a:lnStyleLst>
+        <a:ln w="9525" cap="flat" cmpd="sng" algn="ctr">
+          <a:solidFill>
+            <a:schemeClr val="phClr">
+              <a:shade val="95000"/>
+              <a:satMod val="105000"/>
+            </a:schemeClr>
+          </a:solidFill>
+          <a:prstDash val="solid"/>
+        </a:ln>
+        <a:ln w="25400" cap="flat" cmpd="sng" algn="ctr">
+          <a:solidFill>
+            <a:schemeClr val="phClr"/>
+          </a:solidFill>
+          <a:prstDash val="solid"/>
+        </a:ln>
+        <a:ln w="38100" cap="flat" cmpd="sng" algn="ctr">
+          <a:solidFill>
+            <a:schemeClr val="phClr"/>
+          </a:solidFill>
+          <a:prstDash val="solid"/>
+        </a:ln>
+      </a:lnStyleLst>
+      <a:effectStyleLst>
+        <a:effectStyle>
+          <a:effectLst>
+            <a:outerShdw blurRad="40000" dist="20000" dir="5400000" rotWithShape="0">
+              <a:srgbClr val="000000">
+                <a:alpha val="38000"/>
+              </a:srgbClr>
+            </a:outerShdw>
+          </a:effectLst>
+        </a:effectStyle>
+        <a:effectStyle>
+          <a:effectLst>
+            <a:outerShdw blurRad="40000" dist="23000" dir="5400000" rotWithShape="0">
+              <a:srgbClr val="000000">
+                <a:alpha val="35000"/>
+              </a:srgbClr>
+            </a:outerShdw>
+          </a:effectLst>
+        </a:effectStyle>
+        <a:effectStyle>
+          <a:effectLst>
+            <a:outerShdw blurRad="40000" dist="23000" dir="5400000" rotWithShape="0">
+              <a:srgbClr val="000000">
+                <a:alpha val="35000"/>
+              </a:srgbClr>
+            </a:outerShdw>
+          </a:effectLst>
+          <a:scene3d>
+            <a:camera prst="orthographicFront">
+              <a:rot lat="0" lon="0" rev="0"/>
+            </a:camera>
+            <a:lightRig rig="threePt" dir="t">
+              <a:rot lat="0" lon="0" rev="1200000"/>
+            </a:lightRig>
+          </a:scene3d>
+          <a:sp3d>
+            <a:bevelT w="63500" h="25400"/>
+          </a:sp3d>
+        </a:effectStyle>
+      </a:effectStyleLst>
+      <a:bgFillStyleLst>
+        <a:solidFill>
+          <a:schemeClr val="phClr"/>
+        </a:solidFill>
+        <a:gradFill rotWithShape="1">
+          <a:gsLst>
+            <a:gs pos="0">
+              <a:schemeClr val="phClr">
+                <a:tint val="40000"/>
+                <a:satMod val="350000"/>
+              </a:schemeClr>
+            </a:gs>
+            <a:gs pos="40000">
+              <a:schemeClr val="phClr">
+                <a:tint val="45000"/>
+                <a:shade val="99000"/>
+                <a:satMod val="350000"/>
+              </a:schemeClr>
+            </a:gs>
+            <a:gs pos="100000">
+              <a:schemeClr val="phClr">
+                <a:shade val="20000"/>
+                <a:satMod val="255000"/>
+              </a:schemeClr>
+            </a:gs>
+          </a:gsLst>
+          <a:path path="circle">
+            <a:fillToRect l="50000" t="-80000" r="50000" b="180000"/>
+          </a:path>
+        </a:gradFill>
+        <a:gradFill rotWithShape="1">
+          <a:gsLst>
+            <a:gs pos="0">
+              <a:schemeClr val="phClr">
+                <a:tint val="80000"/>
+                <a:satMod val="300000"/>
+              </a:schemeClr>
+            </a:gs>
+            <a:gs pos="100000">
+              <a:schemeClr val="phClr">
+                <a:shade val="30000"/>
+                <a:satMod val="200000"/>
+              </a:schemeClr>
+            </a:gs>
+          </a:gsLst>
+          <a:path path="circle">
+            <a:fillToRect l="50000" t="50000" r="50000" b="50000"/>
+          </a:path>
+        </a:gradFill>
+      </a:bgFillStyleLst>
+    </a:fmtScheme>
+  </a:themeElements>
+</a:theme>
+</file>
+
+<file path=ppt/theme/theme2.xml><?xml version="1.0" encoding="utf-8"?>
 <a:theme xmlns:a="http://schemas.openxmlformats.org/drawingml/2006/main" xmlns:r="http://schemas.openxmlformats.org/officeDocument/2006/relationships">
   <a:themeElements>
     <a:clrScheme name="Default">
@@ -11037,283 +11625,4 @@
     </a:fmtScheme>
   </a:themeElements>
 </a:theme>
-</file>
-
-<file path=ppt/theme/theme2.xml><?xml version="1.0" encoding="utf-8"?>
-<a:theme xmlns:a="http://schemas.openxmlformats.org/drawingml/2006/main" xmlns:r="http://schemas.openxmlformats.org/officeDocument/2006/relationships" name="Slate">
-  <a:themeElements>
-    <a:clrScheme name="Slate">
-      <a:dk1>
-        <a:srgbClr val="FFFFFF"/>
-      </a:dk1>
-      <a:lt1>
-        <a:srgbClr val="37474F"/>
-      </a:lt1>
-      <a:dk2>
-        <a:srgbClr val="9E9E9E"/>
-      </a:dk2>
-      <a:lt2>
-        <a:srgbClr val="E0E0E0"/>
-      </a:lt2>
-      <a:accent1>
-        <a:srgbClr val="616161"/>
-      </a:accent1>
-      <a:accent2>
-        <a:srgbClr val="78909C"/>
-      </a:accent2>
-      <a:accent3>
-        <a:srgbClr val="CACACA"/>
-      </a:accent3>
-      <a:accent4>
-        <a:srgbClr val="64FFDA"/>
-      </a:accent4>
-      <a:accent5>
-        <a:srgbClr val="FFD966"/>
-      </a:accent5>
-      <a:accent6>
-        <a:srgbClr val="F5F5F5"/>
-      </a:accent6>
-      <a:hlink>
-        <a:srgbClr val="FFD966"/>
-      </a:hlink>
-      <a:folHlink>
-        <a:srgbClr val="FFD966"/>
-      </a:folHlink>
-    </a:clrScheme>
-    <a:fontScheme name="Office">
-      <a:majorFont>
-        <a:latin typeface="Arial"/>
-        <a:ea typeface=""/>
-        <a:cs typeface=""/>
-        <a:font script="Jpan" typeface="ＭＳ Ｐゴシック"/>
-        <a:font script="Hang" typeface="맑은 고딕"/>
-        <a:font script="Hans" typeface="宋体"/>
-        <a:font script="Hant" typeface="新細明體"/>
-        <a:font script="Arab" typeface="Times New Roman"/>
-        <a:font script="Hebr" typeface="Times New Roman"/>
-        <a:font script="Thai" typeface="Angsana New"/>
-        <a:font script="Ethi" typeface="Nyala"/>
-        <a:font script="Beng" typeface="Vrinda"/>
-        <a:font script="Gujr" typeface="Shruti"/>
-        <a:font script="Khmr" typeface="MoolBoran"/>
-        <a:font script="Knda" typeface="Tunga"/>
-        <a:font script="Guru" typeface="Raavi"/>
-        <a:font script="Cans" typeface="Euphemia"/>
-        <a:font script="Cher" typeface="Plantagenet Cherokee"/>
-        <a:font script="Yiii" typeface="Microsoft Yi Baiti"/>
-        <a:font script="Tibt" typeface="Microsoft Himalaya"/>
-        <a:font script="Thaa" typeface="MV Boli"/>
-        <a:font script="Deva" typeface="Mangal"/>
-        <a:font script="Telu" typeface="Gautami"/>
-        <a:font script="Taml" typeface="Latha"/>
-        <a:font script="Syrc" typeface="Estrangelo Edessa"/>
-        <a:font script="Orya" typeface="Kalinga"/>
-        <a:font script="Mlym" typeface="Kartika"/>
-        <a:font script="Laoo" typeface="DokChampa"/>
-        <a:font script="Sinh" typeface="Iskoola Pota"/>
-        <a:font script="Mong" typeface="Mongolian Baiti"/>
-        <a:font script="Viet" typeface="Times New Roman"/>
-        <a:font script="Uigh" typeface="Microsoft Uighur"/>
-        <a:font script="Geor" typeface="Sylfaen"/>
-      </a:majorFont>
-      <a:minorFont>
-        <a:latin typeface="Arial"/>
-        <a:ea typeface=""/>
-        <a:cs typeface=""/>
-        <a:font script="Jpan" typeface="ＭＳ Ｐゴシック"/>
-        <a:font script="Hang" typeface="맑은 고딕"/>
-        <a:font script="Hans" typeface="宋体"/>
-        <a:font script="Hant" typeface="新細明體"/>
-        <a:font script="Arab" typeface="Arial"/>
-        <a:font script="Hebr" typeface="Arial"/>
-        <a:font script="Thai" typeface="Cordia New"/>
-        <a:font script="Ethi" typeface="Nyala"/>
-        <a:font script="Beng" typeface="Vrinda"/>
-        <a:font script="Gujr" typeface="Shruti"/>
-        <a:font script="Khmr" typeface="DaunPenh"/>
-        <a:font script="Knda" typeface="Tunga"/>
-        <a:font script="Guru" typeface="Raavi"/>
-        <a:font script="Cans" typeface="Euphemia"/>
-        <a:font script="Cher" typeface="Plantagenet Cherokee"/>
-        <a:font script="Yiii" typeface="Microsoft Yi Baiti"/>
-        <a:font script="Tibt" typeface="Microsoft Himalaya"/>
-        <a:font script="Thaa" typeface="MV Boli"/>
-        <a:font script="Deva" typeface="Mangal"/>
-        <a:font script="Telu" typeface="Gautami"/>
-        <a:font script="Taml" typeface="Latha"/>
-        <a:font script="Syrc" typeface="Estrangelo Edessa"/>
-        <a:font script="Orya" typeface="Kalinga"/>
-        <a:font script="Mlym" typeface="Kartika"/>
-        <a:font script="Laoo" typeface="DokChampa"/>
-        <a:font script="Sinh" typeface="Iskoola Pota"/>
-        <a:font script="Mong" typeface="Mongolian Baiti"/>
-        <a:font script="Viet" typeface="Arial"/>
-        <a:font script="Uigh" typeface="Microsoft Uighur"/>
-        <a:font script="Geor" typeface="Sylfaen"/>
-      </a:minorFont>
-    </a:fontScheme>
-    <a:fmtScheme name="Office">
-      <a:fillStyleLst>
-        <a:solidFill>
-          <a:schemeClr val="phClr"/>
-        </a:solidFill>
-        <a:gradFill rotWithShape="1">
-          <a:gsLst>
-            <a:gs pos="0">
-              <a:schemeClr val="phClr">
-                <a:tint val="50000"/>
-                <a:satMod val="300000"/>
-              </a:schemeClr>
-            </a:gs>
-            <a:gs pos="35000">
-              <a:schemeClr val="phClr">
-                <a:tint val="37000"/>
-                <a:satMod val="300000"/>
-              </a:schemeClr>
-            </a:gs>
-            <a:gs pos="100000">
-              <a:schemeClr val="phClr">
-                <a:tint val="15000"/>
-                <a:satMod val="350000"/>
-              </a:schemeClr>
-            </a:gs>
-          </a:gsLst>
-          <a:lin ang="16200000" scaled="1"/>
-        </a:gradFill>
-        <a:gradFill rotWithShape="1">
-          <a:gsLst>
-            <a:gs pos="0">
-              <a:schemeClr val="phClr">
-                <a:tint val="100000"/>
-                <a:shade val="100000"/>
-                <a:satMod val="130000"/>
-              </a:schemeClr>
-            </a:gs>
-            <a:gs pos="100000">
-              <a:schemeClr val="phClr">
-                <a:tint val="50000"/>
-                <a:shade val="100000"/>
-                <a:satMod val="350000"/>
-              </a:schemeClr>
-            </a:gs>
-          </a:gsLst>
-          <a:lin ang="16200000" scaled="0"/>
-        </a:gradFill>
-      </a:fillStyleLst>
-      <a:lnStyleLst>
-        <a:ln w="9525" cap="flat" cmpd="sng" algn="ctr">
-          <a:solidFill>
-            <a:schemeClr val="phClr">
-              <a:shade val="95000"/>
-              <a:satMod val="105000"/>
-            </a:schemeClr>
-          </a:solidFill>
-          <a:prstDash val="solid"/>
-        </a:ln>
-        <a:ln w="25400" cap="flat" cmpd="sng" algn="ctr">
-          <a:solidFill>
-            <a:schemeClr val="phClr"/>
-          </a:solidFill>
-          <a:prstDash val="solid"/>
-        </a:ln>
-        <a:ln w="38100" cap="flat" cmpd="sng" algn="ctr">
-          <a:solidFill>
-            <a:schemeClr val="phClr"/>
-          </a:solidFill>
-          <a:prstDash val="solid"/>
-        </a:ln>
-      </a:lnStyleLst>
-      <a:effectStyleLst>
-        <a:effectStyle>
-          <a:effectLst>
-            <a:outerShdw blurRad="40000" dist="20000" dir="5400000" rotWithShape="0">
-              <a:srgbClr val="000000">
-                <a:alpha val="38000"/>
-              </a:srgbClr>
-            </a:outerShdw>
-          </a:effectLst>
-        </a:effectStyle>
-        <a:effectStyle>
-          <a:effectLst>
-            <a:outerShdw blurRad="40000" dist="23000" dir="5400000" rotWithShape="0">
-              <a:srgbClr val="000000">
-                <a:alpha val="35000"/>
-              </a:srgbClr>
-            </a:outerShdw>
-          </a:effectLst>
-        </a:effectStyle>
-        <a:effectStyle>
-          <a:effectLst>
-            <a:outerShdw blurRad="40000" dist="23000" dir="5400000" rotWithShape="0">
-              <a:srgbClr val="000000">
-                <a:alpha val="35000"/>
-              </a:srgbClr>
-            </a:outerShdw>
-          </a:effectLst>
-          <a:scene3d>
-            <a:camera prst="orthographicFront">
-              <a:rot lat="0" lon="0" rev="0"/>
-            </a:camera>
-            <a:lightRig rig="threePt" dir="t">
-              <a:rot lat="0" lon="0" rev="1200000"/>
-            </a:lightRig>
-          </a:scene3d>
-          <a:sp3d>
-            <a:bevelT w="63500" h="25400"/>
-          </a:sp3d>
-        </a:effectStyle>
-      </a:effectStyleLst>
-      <a:bgFillStyleLst>
-        <a:solidFill>
-          <a:schemeClr val="phClr"/>
-        </a:solidFill>
-        <a:gradFill rotWithShape="1">
-          <a:gsLst>
-            <a:gs pos="0">
-              <a:schemeClr val="phClr">
-                <a:tint val="40000"/>
-                <a:satMod val="350000"/>
-              </a:schemeClr>
-            </a:gs>
-            <a:gs pos="40000">
-              <a:schemeClr val="phClr">
-                <a:tint val="45000"/>
-                <a:shade val="99000"/>
-                <a:satMod val="350000"/>
-              </a:schemeClr>
-            </a:gs>
-            <a:gs pos="100000">
-              <a:schemeClr val="phClr">
-                <a:shade val="20000"/>
-                <a:satMod val="255000"/>
-              </a:schemeClr>
-            </a:gs>
-          </a:gsLst>
-          <a:path path="circle">
-            <a:fillToRect l="50000" t="-80000" r="50000" b="180000"/>
-          </a:path>
-        </a:gradFill>
-        <a:gradFill rotWithShape="1">
-          <a:gsLst>
-            <a:gs pos="0">
-              <a:schemeClr val="phClr">
-                <a:tint val="80000"/>
-                <a:satMod val="300000"/>
-              </a:schemeClr>
-            </a:gs>
-            <a:gs pos="100000">
-              <a:schemeClr val="phClr">
-                <a:shade val="30000"/>
-                <a:satMod val="200000"/>
-              </a:schemeClr>
-            </a:gs>
-          </a:gsLst>
-          <a:path path="circle">
-            <a:fillToRect l="50000" t="50000" r="50000" b="50000"/>
-          </a:path>
-        </a:gradFill>
-      </a:bgFillStyleLst>
-    </a:fmtScheme>
-  </a:themeElements>
-</a:theme>
 </file>